--- a/R-Basic-review.pptx
+++ b/R-Basic-review.pptx
@@ -3275,7 +3275,7 @@
             <a:pPr lvl="0"/>
             <a:r>
               <a:rPr/>
-              <a:t>Bit of Ploting</a:t>
+              <a:t>Bit of Plot</a:t>
             </a:r>
           </a:p>
           <a:p>
